--- a/doc/senior/summary/20180809高级清单内部推广使用.pptx
+++ b/doc/senior/summary/20180809高级清单内部推广使用.pptx
@@ -270,7 +270,7 @@
           <a:p>
             <a:fld id="{843F4C5C-EDA8-7B40-836E-9D541789AE52}" type="datetimeFigureOut">
               <a:rPr kumimoji="1" lang="zh-CN" altLang="en-US" smtClean="0"/>
-              <a:t>2018/8/7</a:t>
+              <a:t>2018/8/8</a:t>
             </a:fld>
             <a:endParaRPr kumimoji="1" lang="zh-CN" altLang="en-US"/>
           </a:p>
@@ -443,7 +443,7 @@
           <a:p>
             <a:fld id="{843F4C5C-EDA8-7B40-836E-9D541789AE52}" type="datetimeFigureOut">
               <a:rPr kumimoji="1" lang="zh-CN" altLang="en-US" smtClean="0"/>
-              <a:t>2018/8/7</a:t>
+              <a:t>2018/8/8</a:t>
             </a:fld>
             <a:endParaRPr kumimoji="1" lang="zh-CN" altLang="en-US"/>
           </a:p>
@@ -626,7 +626,7 @@
           <a:p>
             <a:fld id="{843F4C5C-EDA8-7B40-836E-9D541789AE52}" type="datetimeFigureOut">
               <a:rPr kumimoji="1" lang="zh-CN" altLang="en-US" smtClean="0"/>
-              <a:t>2018/8/7</a:t>
+              <a:t>2018/8/8</a:t>
             </a:fld>
             <a:endParaRPr kumimoji="1" lang="zh-CN" altLang="en-US"/>
           </a:p>
@@ -799,7 +799,7 @@
           <a:p>
             <a:fld id="{843F4C5C-EDA8-7B40-836E-9D541789AE52}" type="datetimeFigureOut">
               <a:rPr kumimoji="1" lang="zh-CN" altLang="en-US" smtClean="0"/>
-              <a:t>2018/8/7</a:t>
+              <a:t>2018/8/8</a:t>
             </a:fld>
             <a:endParaRPr kumimoji="1" lang="zh-CN" altLang="en-US"/>
           </a:p>
@@ -1077,7 +1077,7 @@
           <a:p>
             <a:fld id="{843F4C5C-EDA8-7B40-836E-9D541789AE52}" type="datetimeFigureOut">
               <a:rPr kumimoji="1" lang="zh-CN" altLang="en-US" smtClean="0"/>
-              <a:t>2018/8/7</a:t>
+              <a:t>2018/8/8</a:t>
             </a:fld>
             <a:endParaRPr kumimoji="1" lang="zh-CN" altLang="en-US"/>
           </a:p>
@@ -1292,7 +1292,7 @@
           <a:p>
             <a:fld id="{843F4C5C-EDA8-7B40-836E-9D541789AE52}" type="datetimeFigureOut">
               <a:rPr kumimoji="1" lang="zh-CN" altLang="en-US" smtClean="0"/>
-              <a:t>2018/8/7</a:t>
+              <a:t>2018/8/8</a:t>
             </a:fld>
             <a:endParaRPr kumimoji="1" lang="zh-CN" altLang="en-US"/>
           </a:p>
@@ -1660,7 +1660,7 @@
           <a:p>
             <a:fld id="{843F4C5C-EDA8-7B40-836E-9D541789AE52}" type="datetimeFigureOut">
               <a:rPr kumimoji="1" lang="zh-CN" altLang="en-US" smtClean="0"/>
-              <a:t>2018/8/7</a:t>
+              <a:t>2018/8/8</a:t>
             </a:fld>
             <a:endParaRPr kumimoji="1" lang="zh-CN" altLang="en-US"/>
           </a:p>
@@ -1801,7 +1801,7 @@
           <a:p>
             <a:fld id="{843F4C5C-EDA8-7B40-836E-9D541789AE52}" type="datetimeFigureOut">
               <a:rPr kumimoji="1" lang="zh-CN" altLang="en-US" smtClean="0"/>
-              <a:t>2018/8/7</a:t>
+              <a:t>2018/8/8</a:t>
             </a:fld>
             <a:endParaRPr kumimoji="1" lang="zh-CN" altLang="en-US"/>
           </a:p>
@@ -1914,7 +1914,7 @@
           <a:p>
             <a:fld id="{843F4C5C-EDA8-7B40-836E-9D541789AE52}" type="datetimeFigureOut">
               <a:rPr kumimoji="1" lang="zh-CN" altLang="en-US" smtClean="0"/>
-              <a:t>2018/8/7</a:t>
+              <a:t>2018/8/8</a:t>
             </a:fld>
             <a:endParaRPr kumimoji="1" lang="zh-CN" altLang="en-US"/>
           </a:p>
@@ -2203,7 +2203,7 @@
           <a:p>
             <a:fld id="{843F4C5C-EDA8-7B40-836E-9D541789AE52}" type="datetimeFigureOut">
               <a:rPr kumimoji="1" lang="zh-CN" altLang="en-US" smtClean="0"/>
-              <a:t>2018/8/7</a:t>
+              <a:t>2018/8/8</a:t>
             </a:fld>
             <a:endParaRPr kumimoji="1" lang="zh-CN" altLang="en-US"/>
           </a:p>
@@ -2494,7 +2494,7 @@
           <a:p>
             <a:fld id="{843F4C5C-EDA8-7B40-836E-9D541789AE52}" type="datetimeFigureOut">
               <a:rPr kumimoji="1" lang="zh-CN" altLang="en-US" smtClean="0"/>
-              <a:t>2018/8/7</a:t>
+              <a:t>2018/8/8</a:t>
             </a:fld>
             <a:endParaRPr kumimoji="1" lang="zh-CN" altLang="en-US"/>
           </a:p>
@@ -2710,7 +2710,7 @@
           <a:p>
             <a:fld id="{843F4C5C-EDA8-7B40-836E-9D541789AE52}" type="datetimeFigureOut">
               <a:rPr kumimoji="1" lang="zh-CN" altLang="en-US" smtClean="0"/>
-              <a:t>2018/8/7</a:t>
+              <a:t>2018/8/8</a:t>
             </a:fld>
             <a:endParaRPr kumimoji="1" lang="zh-CN" altLang="en-US"/>
           </a:p>
@@ -6378,7 +6378,7 @@
         </p:nvSpPr>
         <p:spPr>
           <a:xfrm>
-            <a:off x="844061" y="1252025"/>
+            <a:off x="629296" y="930297"/>
             <a:ext cx="5594801" cy="369332"/>
           </a:xfrm>
           <a:prstGeom prst="rect">
@@ -6482,10 +6482,10 @@
       </p:sp>
       <p:pic>
         <p:nvPicPr>
-          <p:cNvPr id="7" name="图片 6">
-            <a:extLst>
-              <a:ext uri="{FF2B5EF4-FFF2-40B4-BE49-F238E27FC236}">
-                <a16:creationId xmlns:a16="http://schemas.microsoft.com/office/drawing/2014/main" id="{552018B2-739F-5148-863B-363DB2AA9961}"/>
+          <p:cNvPr id="9" name="图片 8">
+            <a:extLst>
+              <a:ext uri="{FF2B5EF4-FFF2-40B4-BE49-F238E27FC236}">
+                <a16:creationId xmlns:a16="http://schemas.microsoft.com/office/drawing/2014/main" id="{FF3BA710-1544-2248-91A6-1BABA5F6416A}"/>
               </a:ext>
             </a:extLst>
           </p:cNvPr>
@@ -6502,20 +6502,161 @@
         </p:blipFill>
         <p:spPr>
           <a:xfrm>
-            <a:off x="596900" y="2263597"/>
-            <a:ext cx="7227309" cy="3752098"/>
+            <a:off x="629295" y="1405457"/>
+            <a:ext cx="11075789" cy="5300143"/>
           </a:xfrm>
           <a:prstGeom prst="rect">
             <a:avLst/>
           </a:prstGeom>
         </p:spPr>
       </p:pic>
+      <p:grpSp>
+        <p:nvGrpSpPr>
+          <p:cNvPr id="4" name="组合 3">
+            <a:extLst>
+              <a:ext uri="{FF2B5EF4-FFF2-40B4-BE49-F238E27FC236}">
+                <a16:creationId xmlns:a16="http://schemas.microsoft.com/office/drawing/2014/main" id="{E9911176-5FFC-6B45-91B5-D58C753A6699}"/>
+              </a:ext>
+            </a:extLst>
+          </p:cNvPr>
+          <p:cNvGrpSpPr/>
+          <p:nvPr/>
+        </p:nvGrpSpPr>
+        <p:grpSpPr>
+          <a:xfrm>
+            <a:off x="1976531" y="2077525"/>
+            <a:ext cx="3086536" cy="2646875"/>
+            <a:chOff x="1976531" y="2077525"/>
+            <a:chExt cx="3086536" cy="2646875"/>
+          </a:xfrm>
+        </p:grpSpPr>
+        <p:sp>
+          <p:nvSpPr>
+            <p:cNvPr id="3" name="同心圆 2">
+              <a:extLst>
+                <a:ext uri="{FF2B5EF4-FFF2-40B4-BE49-F238E27FC236}">
+                  <a16:creationId xmlns:a16="http://schemas.microsoft.com/office/drawing/2014/main" id="{01B5484D-FF5A-F94C-8723-701E9AAC7B28}"/>
+                </a:ext>
+              </a:extLst>
+            </p:cNvPr>
+            <p:cNvSpPr/>
+            <p:nvPr/>
+          </p:nvSpPr>
+          <p:spPr>
+            <a:xfrm>
+              <a:off x="1976531" y="4157128"/>
+              <a:ext cx="1139203" cy="567272"/>
+            </a:xfrm>
+            <a:prstGeom prst="donut">
+              <a:avLst>
+                <a:gd name="adj" fmla="val 4015"/>
+              </a:avLst>
+            </a:prstGeom>
+            <a:solidFill>
+              <a:schemeClr val="accent2"/>
+            </a:solidFill>
+            <a:ln>
+              <a:solidFill>
+                <a:srgbClr val="FF0000"/>
+              </a:solidFill>
+            </a:ln>
+          </p:spPr>
+          <p:style>
+            <a:lnRef idx="2">
+              <a:schemeClr val="accent1">
+                <a:shade val="50000"/>
+              </a:schemeClr>
+            </a:lnRef>
+            <a:fillRef idx="1">
+              <a:schemeClr val="accent1"/>
+            </a:fillRef>
+            <a:effectRef idx="0">
+              <a:schemeClr val="accent1"/>
+            </a:effectRef>
+            <a:fontRef idx="minor">
+              <a:schemeClr val="lt1"/>
+            </a:fontRef>
+          </p:style>
+          <p:txBody>
+            <a:bodyPr rtlCol="0" anchor="ctr"/>
+            <a:lstStyle/>
+            <a:p>
+              <a:pPr algn="ctr"/>
+              <a:endParaRPr kumimoji="1" lang="zh-CN" altLang="en-US">
+                <a:solidFill>
+                  <a:schemeClr val="tx1"/>
+                </a:solidFill>
+              </a:endParaRPr>
+            </a:p>
+          </p:txBody>
+        </p:sp>
+        <p:sp>
+          <p:nvSpPr>
+            <p:cNvPr id="11" name="同心圆 10">
+              <a:extLst>
+                <a:ext uri="{FF2B5EF4-FFF2-40B4-BE49-F238E27FC236}">
+                  <a16:creationId xmlns:a16="http://schemas.microsoft.com/office/drawing/2014/main" id="{34629E22-9B2C-4748-B75D-5EAFC401C522}"/>
+                </a:ext>
+              </a:extLst>
+            </p:cNvPr>
+            <p:cNvSpPr/>
+            <p:nvPr/>
+          </p:nvSpPr>
+          <p:spPr>
+            <a:xfrm>
+              <a:off x="3923864" y="2077525"/>
+              <a:ext cx="1139203" cy="567272"/>
+            </a:xfrm>
+            <a:prstGeom prst="donut">
+              <a:avLst>
+                <a:gd name="adj" fmla="val 4015"/>
+              </a:avLst>
+            </a:prstGeom>
+            <a:solidFill>
+              <a:schemeClr val="accent2"/>
+            </a:solidFill>
+            <a:ln>
+              <a:solidFill>
+                <a:srgbClr val="FF0000"/>
+              </a:solidFill>
+            </a:ln>
+          </p:spPr>
+          <p:style>
+            <a:lnRef idx="2">
+              <a:schemeClr val="accent1">
+                <a:shade val="50000"/>
+              </a:schemeClr>
+            </a:lnRef>
+            <a:fillRef idx="1">
+              <a:schemeClr val="accent1"/>
+            </a:fillRef>
+            <a:effectRef idx="0">
+              <a:schemeClr val="accent1"/>
+            </a:effectRef>
+            <a:fontRef idx="minor">
+              <a:schemeClr val="lt1"/>
+            </a:fontRef>
+          </p:style>
+          <p:txBody>
+            <a:bodyPr rtlCol="0" anchor="ctr"/>
+            <a:lstStyle/>
+            <a:p>
+              <a:pPr algn="ctr"/>
+              <a:endParaRPr kumimoji="1" lang="zh-CN" altLang="en-US">
+                <a:solidFill>
+                  <a:schemeClr val="tx1"/>
+                </a:solidFill>
+              </a:endParaRPr>
+            </a:p>
+          </p:txBody>
+        </p:sp>
+      </p:grpSp>
       <p:pic>
         <p:nvPicPr>
-          <p:cNvPr id="8" name="图片 7">
-            <a:extLst>
-              <a:ext uri="{FF2B5EF4-FFF2-40B4-BE49-F238E27FC236}">
-                <a16:creationId xmlns:a16="http://schemas.microsoft.com/office/drawing/2014/main" id="{0FCEDAE2-36A8-7044-B000-2E791FE976BE}"/>
+          <p:cNvPr id="10" name="图片 9">
+            <a:extLst>
+              <a:ext uri="{FF2B5EF4-FFF2-40B4-BE49-F238E27FC236}">
+                <a16:creationId xmlns:a16="http://schemas.microsoft.com/office/drawing/2014/main" id="{5AB98C63-A3E5-4841-A5D7-854A4A15E2F6}"/>
               </a:ext>
             </a:extLst>
           </p:cNvPr>
@@ -6532,8 +6673,8 @@
         </p:blipFill>
         <p:spPr>
           <a:xfrm>
-            <a:off x="6438862" y="1895481"/>
-            <a:ext cx="4599705" cy="4223122"/>
+            <a:off x="1976531" y="1903961"/>
+            <a:ext cx="7861169" cy="3173957"/>
           </a:xfrm>
           <a:prstGeom prst="rect">
             <a:avLst/>
@@ -6560,6 +6701,142 @@
   <p:clrMapOvr>
     <a:masterClrMapping/>
   </p:clrMapOvr>
+  <p:timing>
+    <p:tnLst>
+      <p:par>
+        <p:cTn id="1" dur="indefinite" restart="never" nodeType="tmRoot">
+          <p:childTnLst>
+            <p:seq concurrent="1" nextAc="seek">
+              <p:cTn id="2" dur="indefinite" nodeType="mainSeq">
+                <p:childTnLst>
+                  <p:par>
+                    <p:cTn id="3" fill="hold">
+                      <p:stCondLst>
+                        <p:cond delay="indefinite"/>
+                      </p:stCondLst>
+                      <p:childTnLst>
+                        <p:par>
+                          <p:cTn id="4" fill="hold">
+                            <p:stCondLst>
+                              <p:cond delay="0"/>
+                            </p:stCondLst>
+                            <p:childTnLst>
+                              <p:par>
+                                <p:cTn id="5" presetID="3" presetClass="entr" presetSubtype="10" fill="hold" nodeType="clickEffect">
+                                  <p:stCondLst>
+                                    <p:cond delay="0"/>
+                                  </p:stCondLst>
+                                  <p:childTnLst>
+                                    <p:set>
+                                      <p:cBhvr>
+                                        <p:cTn id="6" dur="1" fill="hold">
+                                          <p:stCondLst>
+                                            <p:cond delay="0"/>
+                                          </p:stCondLst>
+                                        </p:cTn>
+                                        <p:tgtEl>
+                                          <p:spTgt spid="4"/>
+                                        </p:tgtEl>
+                                        <p:attrNameLst>
+                                          <p:attrName>style.visibility</p:attrName>
+                                        </p:attrNameLst>
+                                      </p:cBhvr>
+                                      <p:to>
+                                        <p:strVal val="visible"/>
+                                      </p:to>
+                                    </p:set>
+                                    <p:animEffect transition="in" filter="blinds(horizontal)">
+                                      <p:cBhvr>
+                                        <p:cTn id="7" dur="500"/>
+                                        <p:tgtEl>
+                                          <p:spTgt spid="4"/>
+                                        </p:tgtEl>
+                                      </p:cBhvr>
+                                    </p:animEffect>
+                                  </p:childTnLst>
+                                </p:cTn>
+                              </p:par>
+                            </p:childTnLst>
+                          </p:cTn>
+                        </p:par>
+                      </p:childTnLst>
+                    </p:cTn>
+                  </p:par>
+                  <p:par>
+                    <p:cTn id="8" fill="hold">
+                      <p:stCondLst>
+                        <p:cond delay="indefinite"/>
+                      </p:stCondLst>
+                      <p:childTnLst>
+                        <p:par>
+                          <p:cTn id="9" fill="hold">
+                            <p:stCondLst>
+                              <p:cond delay="0"/>
+                            </p:stCondLst>
+                            <p:childTnLst>
+                              <p:par>
+                                <p:cTn id="10" presetID="3" presetClass="entr" presetSubtype="10" fill="hold" nodeType="clickEffect">
+                                  <p:stCondLst>
+                                    <p:cond delay="0"/>
+                                  </p:stCondLst>
+                                  <p:childTnLst>
+                                    <p:set>
+                                      <p:cBhvr>
+                                        <p:cTn id="11" dur="1" fill="hold">
+                                          <p:stCondLst>
+                                            <p:cond delay="0"/>
+                                          </p:stCondLst>
+                                        </p:cTn>
+                                        <p:tgtEl>
+                                          <p:spTgt spid="10"/>
+                                        </p:tgtEl>
+                                        <p:attrNameLst>
+                                          <p:attrName>style.visibility</p:attrName>
+                                        </p:attrNameLst>
+                                      </p:cBhvr>
+                                      <p:to>
+                                        <p:strVal val="visible"/>
+                                      </p:to>
+                                    </p:set>
+                                    <p:animEffect transition="in" filter="blinds(horizontal)">
+                                      <p:cBhvr>
+                                        <p:cTn id="12" dur="500"/>
+                                        <p:tgtEl>
+                                          <p:spTgt spid="10"/>
+                                        </p:tgtEl>
+                                      </p:cBhvr>
+                                    </p:animEffect>
+                                  </p:childTnLst>
+                                </p:cTn>
+                              </p:par>
+                            </p:childTnLst>
+                          </p:cTn>
+                        </p:par>
+                      </p:childTnLst>
+                    </p:cTn>
+                  </p:par>
+                </p:childTnLst>
+              </p:cTn>
+              <p:prevCondLst>
+                <p:cond evt="onPrev" delay="0">
+                  <p:tgtEl>
+                    <p:sldTgt/>
+                  </p:tgtEl>
+                </p:cond>
+              </p:prevCondLst>
+              <p:nextCondLst>
+                <p:cond evt="onNext" delay="0">
+                  <p:tgtEl>
+                    <p:sldTgt/>
+                  </p:tgtEl>
+                </p:cond>
+              </p:nextCondLst>
+            </p:seq>
+          </p:childTnLst>
+        </p:cTn>
+      </p:par>
+    </p:tnLst>
+  </p:timing>
 </p:sld>
 </file>
 
